--- a/Slides/Willem Van Den Bosch - User the right Power Automate - 300 GPPB Wellington.pptx
+++ b/Slides/Willem Van Den Bosch - User the right Power Automate - 300 GPPB Wellington.pptx
@@ -212,7 +212,7 @@
           <a:p>
             <a:fld id="{92E7C815-ED2C-4A30-8899-DEAAFD1DFCC4}" type="datetimeFigureOut">
               <a:rPr lang="en-AU" smtClean="0"/>
-              <a:t>7/02/2020</a:t>
+              <a:t>8/02/2020</a:t>
             </a:fld>
             <a:endParaRPr lang="en-AU"/>
           </a:p>
@@ -708,7 +708,7 @@
           <a:p>
             <a:fld id="{05F35E56-A3D2-45D8-BB04-21DD29FB9D02}" type="datetimeFigureOut">
               <a:rPr lang="en-AU" smtClean="0"/>
-              <a:t>7/02/2020</a:t>
+              <a:t>8/02/2020</a:t>
             </a:fld>
             <a:endParaRPr lang="en-AU"/>
           </a:p>
@@ -878,7 +878,7 @@
           <a:p>
             <a:fld id="{05F35E56-A3D2-45D8-BB04-21DD29FB9D02}" type="datetimeFigureOut">
               <a:rPr lang="en-AU" smtClean="0"/>
-              <a:t>7/02/2020</a:t>
+              <a:t>8/02/2020</a:t>
             </a:fld>
             <a:endParaRPr lang="en-AU"/>
           </a:p>
@@ -1058,7 +1058,7 @@
           <a:p>
             <a:fld id="{05F35E56-A3D2-45D8-BB04-21DD29FB9D02}" type="datetimeFigureOut">
               <a:rPr lang="en-AU" smtClean="0"/>
-              <a:t>7/02/2020</a:t>
+              <a:t>8/02/2020</a:t>
             </a:fld>
             <a:endParaRPr lang="en-AU"/>
           </a:p>
@@ -1384,7 +1384,7 @@
           <a:p>
             <a:fld id="{05F35E56-A3D2-45D8-BB04-21DD29FB9D02}" type="datetimeFigureOut">
               <a:rPr lang="en-AU" smtClean="0"/>
-              <a:t>7/02/2020</a:t>
+              <a:t>8/02/2020</a:t>
             </a:fld>
             <a:endParaRPr lang="en-AU"/>
           </a:p>
@@ -1630,7 +1630,7 @@
           <a:p>
             <a:fld id="{05F35E56-A3D2-45D8-BB04-21DD29FB9D02}" type="datetimeFigureOut">
               <a:rPr lang="en-AU" smtClean="0"/>
-              <a:t>7/02/2020</a:t>
+              <a:t>8/02/2020</a:t>
             </a:fld>
             <a:endParaRPr lang="en-AU"/>
           </a:p>
@@ -1862,7 +1862,7 @@
           <a:p>
             <a:fld id="{05F35E56-A3D2-45D8-BB04-21DD29FB9D02}" type="datetimeFigureOut">
               <a:rPr lang="en-AU" smtClean="0"/>
-              <a:t>7/02/2020</a:t>
+              <a:t>8/02/2020</a:t>
             </a:fld>
             <a:endParaRPr lang="en-AU"/>
           </a:p>
@@ -2229,7 +2229,7 @@
           <a:p>
             <a:fld id="{05F35E56-A3D2-45D8-BB04-21DD29FB9D02}" type="datetimeFigureOut">
               <a:rPr lang="en-AU" smtClean="0"/>
-              <a:t>7/02/2020</a:t>
+              <a:t>8/02/2020</a:t>
             </a:fld>
             <a:endParaRPr lang="en-AU"/>
           </a:p>
@@ -2347,7 +2347,7 @@
           <a:p>
             <a:fld id="{05F35E56-A3D2-45D8-BB04-21DD29FB9D02}" type="datetimeFigureOut">
               <a:rPr lang="en-AU" smtClean="0"/>
-              <a:t>7/02/2020</a:t>
+              <a:t>8/02/2020</a:t>
             </a:fld>
             <a:endParaRPr lang="en-AU"/>
           </a:p>
@@ -2442,7 +2442,7 @@
           <a:p>
             <a:fld id="{05F35E56-A3D2-45D8-BB04-21DD29FB9D02}" type="datetimeFigureOut">
               <a:rPr lang="en-AU" smtClean="0"/>
-              <a:t>7/02/2020</a:t>
+              <a:t>8/02/2020</a:t>
             </a:fld>
             <a:endParaRPr lang="en-AU"/>
           </a:p>
@@ -2719,7 +2719,7 @@
           <a:p>
             <a:fld id="{05F35E56-A3D2-45D8-BB04-21DD29FB9D02}" type="datetimeFigureOut">
               <a:rPr lang="en-AU" smtClean="0"/>
-              <a:t>7/02/2020</a:t>
+              <a:t>8/02/2020</a:t>
             </a:fld>
             <a:endParaRPr lang="en-AU"/>
           </a:p>
@@ -2976,7 +2976,7 @@
           <a:p>
             <a:fld id="{05F35E56-A3D2-45D8-BB04-21DD29FB9D02}" type="datetimeFigureOut">
               <a:rPr lang="en-AU" smtClean="0"/>
-              <a:t>7/02/2020</a:t>
+              <a:t>8/02/2020</a:t>
             </a:fld>
             <a:endParaRPr lang="en-AU"/>
           </a:p>
@@ -3198,7 +3198,7 @@
           <a:p>
             <a:fld id="{05F35E56-A3D2-45D8-BB04-21DD29FB9D02}" type="datetimeFigureOut">
               <a:rPr lang="en-AU" smtClean="0"/>
-              <a:t>7/02/2020</a:t>
+              <a:t>8/02/2020</a:t>
             </a:fld>
             <a:endParaRPr lang="en-AU"/>
           </a:p>
@@ -3645,7 +3645,7 @@
                 <a:latin typeface="Segoe UI Light" panose="020B0502040204020203" pitchFamily="34" charset="0"/>
                 <a:cs typeface="Segoe UI Light" panose="020B0502040204020203" pitchFamily="34" charset="0"/>
               </a:rPr>
-              <a:t>Session Title</a:t>
+              <a:t>User the Right Power Automate</a:t>
             </a:r>
           </a:p>
         </p:txBody>
@@ -3678,14 +3678,18 @@
           <a:p>
             <a:r>
               <a:rPr lang="en-AU" dirty="0">
-                <a:solidFill>
-                  <a:srgbClr val="0070C0"/>
-                </a:solidFill>
-                <a:latin typeface="Segoe UI" panose="020B0502040204020203" pitchFamily="34" charset="0"/>
-                <a:cs typeface="Segoe UI" panose="020B0502040204020203" pitchFamily="34" charset="0"/>
+                <a:latin typeface="Segoe UI Light" panose="020B0502040204020203" pitchFamily="34" charset="0"/>
+                <a:cs typeface="Segoe UI Light" panose="020B0502040204020203" pitchFamily="34" charset="0"/>
               </a:rPr>
-              <a:t>Speaker Name</a:t>
-            </a:r>
+              <a:t>Willem Van Den Bosch</a:t>
+            </a:r>
+            <a:endParaRPr lang="en-AU" dirty="0">
+              <a:solidFill>
+                <a:srgbClr val="0070C0"/>
+              </a:solidFill>
+              <a:latin typeface="Segoe UI" panose="020B0502040204020203" pitchFamily="34" charset="0"/>
+              <a:cs typeface="Segoe UI" panose="020B0502040204020203" pitchFamily="34" charset="0"/>
+            </a:endParaRPr>
           </a:p>
         </p:txBody>
       </p:sp>
@@ -3704,7 +3708,7 @@
         <p:spPr>
           <a:xfrm>
             <a:off x="959139" y="5031905"/>
-            <a:ext cx="3695114" cy="369332"/>
+            <a:ext cx="2924390" cy="369332"/>
           </a:xfrm>
           <a:prstGeom prst="rect">
             <a:avLst/>
@@ -3727,8 +3731,29 @@
                 <a:latin typeface="Segoe UI Light" panose="020B0502040204020203" pitchFamily="34" charset="0"/>
                 <a:cs typeface="Segoe UI Light" panose="020B0502040204020203" pitchFamily="34" charset="0"/>
               </a:rPr>
-              <a:t>Title | Product | Company &amp; Country</a:t>
-            </a:r>
+              <a:t>Title | Product </a:t>
+            </a:r>
+            <a:r>
+              <a:rPr lang="en-AU">
+                <a:solidFill>
+                  <a:schemeClr val="bg2">
+                    <a:lumMod val="75000"/>
+                  </a:schemeClr>
+                </a:solidFill>
+                <a:latin typeface="Segoe UI Light" panose="020B0502040204020203" pitchFamily="34" charset="0"/>
+                <a:cs typeface="Segoe UI Light" panose="020B0502040204020203" pitchFamily="34" charset="0"/>
+              </a:rPr>
+              <a:t>| Datacom NZ</a:t>
+            </a:r>
+            <a:endParaRPr lang="en-AU" dirty="0">
+              <a:solidFill>
+                <a:schemeClr val="bg2">
+                  <a:lumMod val="75000"/>
+                </a:schemeClr>
+              </a:solidFill>
+              <a:latin typeface="Segoe UI Light" panose="020B0502040204020203" pitchFamily="34" charset="0"/>
+              <a:cs typeface="Segoe UI Light" panose="020B0502040204020203" pitchFamily="34" charset="0"/>
+            </a:endParaRPr>
           </a:p>
         </p:txBody>
       </p:sp>

--- a/Slides/Willem Van Den Bosch - User the right Power Automate - 300 GPPB Wellington.pptx
+++ b/Slides/Willem Van Den Bosch - User the right Power Automate - 300 GPPB Wellington.pptx
@@ -212,7 +212,7 @@
           <a:p>
             <a:fld id="{92E7C815-ED2C-4A30-8899-DEAAFD1DFCC4}" type="datetimeFigureOut">
               <a:rPr lang="en-AU" smtClean="0"/>
-              <a:t>8/02/2020</a:t>
+              <a:t>9/02/2020</a:t>
             </a:fld>
             <a:endParaRPr lang="en-AU"/>
           </a:p>
@@ -708,7 +708,7 @@
           <a:p>
             <a:fld id="{05F35E56-A3D2-45D8-BB04-21DD29FB9D02}" type="datetimeFigureOut">
               <a:rPr lang="en-AU" smtClean="0"/>
-              <a:t>8/02/2020</a:t>
+              <a:t>9/02/2020</a:t>
             </a:fld>
             <a:endParaRPr lang="en-AU"/>
           </a:p>
@@ -878,7 +878,7 @@
           <a:p>
             <a:fld id="{05F35E56-A3D2-45D8-BB04-21DD29FB9D02}" type="datetimeFigureOut">
               <a:rPr lang="en-AU" smtClean="0"/>
-              <a:t>8/02/2020</a:t>
+              <a:t>9/02/2020</a:t>
             </a:fld>
             <a:endParaRPr lang="en-AU"/>
           </a:p>
@@ -1058,7 +1058,7 @@
           <a:p>
             <a:fld id="{05F35E56-A3D2-45D8-BB04-21DD29FB9D02}" type="datetimeFigureOut">
               <a:rPr lang="en-AU" smtClean="0"/>
-              <a:t>8/02/2020</a:t>
+              <a:t>9/02/2020</a:t>
             </a:fld>
             <a:endParaRPr lang="en-AU"/>
           </a:p>
@@ -1384,7 +1384,7 @@
           <a:p>
             <a:fld id="{05F35E56-A3D2-45D8-BB04-21DD29FB9D02}" type="datetimeFigureOut">
               <a:rPr lang="en-AU" smtClean="0"/>
-              <a:t>8/02/2020</a:t>
+              <a:t>9/02/2020</a:t>
             </a:fld>
             <a:endParaRPr lang="en-AU"/>
           </a:p>
@@ -1630,7 +1630,7 @@
           <a:p>
             <a:fld id="{05F35E56-A3D2-45D8-BB04-21DD29FB9D02}" type="datetimeFigureOut">
               <a:rPr lang="en-AU" smtClean="0"/>
-              <a:t>8/02/2020</a:t>
+              <a:t>9/02/2020</a:t>
             </a:fld>
             <a:endParaRPr lang="en-AU"/>
           </a:p>
@@ -1862,7 +1862,7 @@
           <a:p>
             <a:fld id="{05F35E56-A3D2-45D8-BB04-21DD29FB9D02}" type="datetimeFigureOut">
               <a:rPr lang="en-AU" smtClean="0"/>
-              <a:t>8/02/2020</a:t>
+              <a:t>9/02/2020</a:t>
             </a:fld>
             <a:endParaRPr lang="en-AU"/>
           </a:p>
@@ -2229,7 +2229,7 @@
           <a:p>
             <a:fld id="{05F35E56-A3D2-45D8-BB04-21DD29FB9D02}" type="datetimeFigureOut">
               <a:rPr lang="en-AU" smtClean="0"/>
-              <a:t>8/02/2020</a:t>
+              <a:t>9/02/2020</a:t>
             </a:fld>
             <a:endParaRPr lang="en-AU"/>
           </a:p>
@@ -2347,7 +2347,7 @@
           <a:p>
             <a:fld id="{05F35E56-A3D2-45D8-BB04-21DD29FB9D02}" type="datetimeFigureOut">
               <a:rPr lang="en-AU" smtClean="0"/>
-              <a:t>8/02/2020</a:t>
+              <a:t>9/02/2020</a:t>
             </a:fld>
             <a:endParaRPr lang="en-AU"/>
           </a:p>
@@ -2442,7 +2442,7 @@
           <a:p>
             <a:fld id="{05F35E56-A3D2-45D8-BB04-21DD29FB9D02}" type="datetimeFigureOut">
               <a:rPr lang="en-AU" smtClean="0"/>
-              <a:t>8/02/2020</a:t>
+              <a:t>9/02/2020</a:t>
             </a:fld>
             <a:endParaRPr lang="en-AU"/>
           </a:p>
@@ -2719,7 +2719,7 @@
           <a:p>
             <a:fld id="{05F35E56-A3D2-45D8-BB04-21DD29FB9D02}" type="datetimeFigureOut">
               <a:rPr lang="en-AU" smtClean="0"/>
-              <a:t>8/02/2020</a:t>
+              <a:t>9/02/2020</a:t>
             </a:fld>
             <a:endParaRPr lang="en-AU"/>
           </a:p>
@@ -2976,7 +2976,7 @@
           <a:p>
             <a:fld id="{05F35E56-A3D2-45D8-BB04-21DD29FB9D02}" type="datetimeFigureOut">
               <a:rPr lang="en-AU" smtClean="0"/>
-              <a:t>8/02/2020</a:t>
+              <a:t>9/02/2020</a:t>
             </a:fld>
             <a:endParaRPr lang="en-AU"/>
           </a:p>
@@ -3198,7 +3198,7 @@
           <a:p>
             <a:fld id="{05F35E56-A3D2-45D8-BB04-21DD29FB9D02}" type="datetimeFigureOut">
               <a:rPr lang="en-AU" smtClean="0"/>
-              <a:t>8/02/2020</a:t>
+              <a:t>9/02/2020</a:t>
             </a:fld>
             <a:endParaRPr lang="en-AU"/>
           </a:p>
@@ -3645,7 +3645,7 @@
                 <a:latin typeface="Segoe UI Light" panose="020B0502040204020203" pitchFamily="34" charset="0"/>
                 <a:cs typeface="Segoe UI Light" panose="020B0502040204020203" pitchFamily="34" charset="0"/>
               </a:rPr>
-              <a:t>User the Right Power Automate</a:t>
+              <a:t>Use the Right Power Automate</a:t>
             </a:r>
           </a:p>
         </p:txBody>
